--- a/NASDAQ UP.pptx
+++ b/NASDAQ UP.pptx
@@ -218,7 +218,7 @@
           <a:p>
             <a:fld id="{3F00BCFC-AFFD-334C-A183-6116BAFDF92B}" type="datetimeFigureOut">
               <a:rPr lang="en-US" smtClean="0"/>
-              <a:t>4/9/2025</a:t>
+              <a:t>4/9/25</a:t>
             </a:fld>
             <a:endParaRPr lang="en-US" dirty="0"/>
           </a:p>
@@ -376,7 +376,7 @@
           <a:p>
             <a:fld id="{23C058E0-0852-DB43-83D6-BD76659FF1D8}" type="slidenum">
               <a:rPr lang="en-US" smtClean="0"/>
-              <a:t>‹Nº›</a:t>
+              <a:t>‹#›</a:t>
             </a:fld>
             <a:endParaRPr lang="en-US" dirty="0"/>
           </a:p>
@@ -616,7 +616,7 @@
           <a:p>
             <a:fld id="{CF20CC98-8836-4FAD-81E7-1A0B5F4DAC31}" type="datetime1">
               <a:rPr lang="en-US" smtClean="0"/>
-              <a:t>4/9/2025</a:t>
+              <a:t>4/9/25</a:t>
             </a:fld>
             <a:endParaRPr lang="en-US" dirty="0"/>
           </a:p>
@@ -663,7 +663,7 @@
             <a:fld id="{6D22F896-40B5-4ADD-8801-0D06FADFA095}" type="slidenum">
               <a:rPr lang="en-US" smtClean="0"/>
               <a:pPr/>
-              <a:t>‹Nº›</a:t>
+              <a:t>‹#›</a:t>
             </a:fld>
             <a:endParaRPr lang="en-US" dirty="0"/>
           </a:p>
@@ -2071,7 +2071,7 @@
           <a:p>
             <a:fld id="{312F2965-A3D0-4C0D-862E-FEE35E9F30A6}" type="datetime1">
               <a:rPr lang="en-US" smtClean="0"/>
-              <a:t>4/9/2025</a:t>
+              <a:t>4/9/25</a:t>
             </a:fld>
             <a:endParaRPr lang="en-US" dirty="0"/>
           </a:p>
@@ -2118,7 +2118,7 @@
             <a:fld id="{294A09A9-5501-47C1-A89A-A340965A2BE2}" type="slidenum">
               <a:rPr lang="en-US" smtClean="0"/>
               <a:pPr/>
-              <a:t>‹Nº›</a:t>
+              <a:t>‹#›</a:t>
             </a:fld>
             <a:endParaRPr lang="en-US" dirty="0"/>
           </a:p>
@@ -2256,7 +2256,7 @@
           <a:p>
             <a:fld id="{F3738F4D-E11B-49D1-8DCF-B50CC83D823B}" type="datetime1">
               <a:rPr lang="en-US" smtClean="0"/>
-              <a:t>4/9/2025</a:t>
+              <a:t>4/9/25</a:t>
             </a:fld>
             <a:endParaRPr lang="en-US" dirty="0"/>
           </a:p>
@@ -2303,7 +2303,7 @@
             <a:fld id="{294A09A9-5501-47C1-A89A-A340965A2BE2}" type="slidenum">
               <a:rPr lang="en-US" smtClean="0"/>
               <a:pPr/>
-              <a:t>‹Nº›</a:t>
+              <a:t>‹#›</a:t>
             </a:fld>
             <a:endParaRPr lang="en-US" dirty="0"/>
           </a:p>
@@ -2431,7 +2431,7 @@
           <a:p>
             <a:fld id="{D8535A8E-EEC9-4C93-A35B-40CB980E8193}" type="datetime1">
               <a:rPr lang="en-US" smtClean="0"/>
-              <a:t>4/9/2025</a:t>
+              <a:t>4/9/25</a:t>
             </a:fld>
             <a:endParaRPr lang="en-US" dirty="0"/>
           </a:p>
@@ -2478,7 +2478,7 @@
             <a:fld id="{294A09A9-5501-47C1-A89A-A340965A2BE2}" type="slidenum">
               <a:rPr lang="en-US" smtClean="0"/>
               <a:pPr/>
-              <a:t>‹Nº›</a:t>
+              <a:t>‹#›</a:t>
             </a:fld>
             <a:endParaRPr lang="en-US" dirty="0"/>
           </a:p>
@@ -3136,7 +3136,7 @@
           <a:p>
             <a:fld id="{4D214C50-654E-4B16-87DD-B05CD6849C2A}" type="datetime1">
               <a:rPr lang="en-US" smtClean="0"/>
-              <a:t>4/9/2025</a:t>
+              <a:t>4/9/25</a:t>
             </a:fld>
             <a:endParaRPr lang="en-US" dirty="0"/>
           </a:p>
@@ -3182,7 +3182,7 @@
           <a:p>
             <a:fld id="{6D22F896-40B5-4ADD-8801-0D06FADFA095}" type="slidenum">
               <a:rPr lang="en-US" smtClean="0"/>
-              <a:t>‹Nº›</a:t>
+              <a:t>‹#›</a:t>
             </a:fld>
             <a:endParaRPr lang="en-US" dirty="0"/>
           </a:p>
@@ -4019,7 +4019,7 @@
           <a:p>
             <a:fld id="{66F04EAE-0798-4123-B1A8-AACF2A5790B8}" type="datetime1">
               <a:rPr lang="en-US" smtClean="0"/>
-              <a:t>4/9/2025</a:t>
+              <a:t>4/9/25</a:t>
             </a:fld>
             <a:endParaRPr lang="en-US" dirty="0"/>
           </a:p>
@@ -4065,7 +4065,7 @@
           <a:p>
             <a:fld id="{294A09A9-5501-47C1-A89A-A340965A2BE2}" type="slidenum">
               <a:rPr lang="en-US" smtClean="0"/>
-              <a:t>‹Nº›</a:t>
+              <a:t>‹#›</a:t>
             </a:fld>
             <a:endParaRPr lang="en-US" dirty="0"/>
           </a:p>
@@ -4390,7 +4390,7 @@
           <a:p>
             <a:fld id="{A9038C80-5257-4D8C-BA90-BCC5569125DA}" type="datetime1">
               <a:rPr lang="en-US" smtClean="0"/>
-              <a:t>4/9/2025</a:t>
+              <a:t>4/9/25</a:t>
             </a:fld>
             <a:endParaRPr lang="en-US" dirty="0"/>
           </a:p>
@@ -4436,7 +4436,7 @@
           <a:p>
             <a:fld id="{294A09A9-5501-47C1-A89A-A340965A2BE2}" type="slidenum">
               <a:rPr lang="en-US" smtClean="0"/>
-              <a:t>‹Nº›</a:t>
+              <a:t>‹#›</a:t>
             </a:fld>
             <a:endParaRPr lang="en-US" dirty="0"/>
           </a:p>
@@ -4962,7 +4962,7 @@
           <a:p>
             <a:fld id="{6DEC9824-5035-4626-B597-D6FE2E6E8DC4}" type="datetime1">
               <a:rPr lang="en-US" smtClean="0"/>
-              <a:t>4/9/2025</a:t>
+              <a:t>4/9/25</a:t>
             </a:fld>
             <a:endParaRPr lang="en-US" dirty="0"/>
           </a:p>
@@ -5008,7 +5008,7 @@
           <a:p>
             <a:fld id="{294A09A9-5501-47C1-A89A-A340965A2BE2}" type="slidenum">
               <a:rPr lang="en-US" smtClean="0"/>
-              <a:t>‹Nº›</a:t>
+              <a:t>‹#›</a:t>
             </a:fld>
             <a:endParaRPr lang="en-US" dirty="0"/>
           </a:p>
@@ -5061,7 +5061,7 @@
           <a:p>
             <a:fld id="{97F8BC1D-B8D2-4FC3-863F-9BD58B01EE8A}" type="datetime1">
               <a:rPr lang="en-US" smtClean="0"/>
-              <a:t>4/9/2025</a:t>
+              <a:t>4/9/25</a:t>
             </a:fld>
             <a:endParaRPr lang="en-US" dirty="0"/>
           </a:p>
@@ -5107,7 +5107,7 @@
           <a:p>
             <a:fld id="{294A09A9-5501-47C1-A89A-A340965A2BE2}" type="slidenum">
               <a:rPr lang="en-US" smtClean="0"/>
-              <a:t>‹Nº›</a:t>
+              <a:t>‹#›</a:t>
             </a:fld>
             <a:endParaRPr lang="en-US" dirty="0"/>
           </a:p>
@@ -5342,7 +5342,7 @@
           <a:p>
             <a:fld id="{85C5A77F-1250-4BC7-8892-D591F24AA892}" type="datetime1">
               <a:rPr lang="en-US" smtClean="0"/>
-              <a:t>4/9/2025</a:t>
+              <a:t>4/9/25</a:t>
             </a:fld>
             <a:endParaRPr lang="en-US" dirty="0"/>
           </a:p>
@@ -5388,7 +5388,7 @@
           <a:p>
             <a:fld id="{294A09A9-5501-47C1-A89A-A340965A2BE2}" type="slidenum">
               <a:rPr lang="en-US" smtClean="0"/>
-              <a:t>‹Nº›</a:t>
+              <a:t>‹#›</a:t>
             </a:fld>
             <a:endParaRPr lang="en-US" dirty="0"/>
           </a:p>
@@ -5603,7 +5603,7 @@
           <a:p>
             <a:fld id="{312EB0B7-4CE6-4AF8-BDCC-229C623A5382}" type="datetime1">
               <a:rPr lang="en-US" smtClean="0"/>
-              <a:t>4/9/2025</a:t>
+              <a:t>4/9/25</a:t>
             </a:fld>
             <a:endParaRPr lang="en-US" dirty="0"/>
           </a:p>
@@ -5649,7 +5649,7 @@
           <a:p>
             <a:fld id="{294A09A9-5501-47C1-A89A-A340965A2BE2}" type="slidenum">
               <a:rPr lang="en-US" smtClean="0"/>
-              <a:t>‹Nº›</a:t>
+              <a:t>‹#›</a:t>
             </a:fld>
             <a:endParaRPr lang="en-US" dirty="0"/>
           </a:p>
@@ -5820,7 +5820,7 @@
           <a:p>
             <a:fld id="{67723127-5C94-4BD3-B6A5-1832BEE09244}" type="datetime1">
               <a:rPr lang="en-US" smtClean="0"/>
-              <a:t>4/9/2025</a:t>
+              <a:t>4/9/25</a:t>
             </a:fld>
             <a:endParaRPr lang="en-US" dirty="0"/>
           </a:p>
@@ -5903,7 +5903,7 @@
             <a:fld id="{294A09A9-5501-47C1-A89A-A340965A2BE2}" type="slidenum">
               <a:rPr lang="en-US" smtClean="0"/>
               <a:pPr/>
-              <a:t>‹Nº›</a:t>
+              <a:t>‹#›</a:t>
             </a:fld>
             <a:endParaRPr lang="en-US" dirty="0"/>
           </a:p>
@@ -6959,7 +6959,7 @@
                 <a:latin typeface="Segoe UI Light" panose="020B0502040204020203" pitchFamily="34" charset="0"/>
                 <a:cs typeface="Segoe UI Light" panose="020B0502040204020203" pitchFamily="34" charset="0"/>
               </a:rPr>
-              <a:t>Final Take a Ways</a:t>
+              <a:t>Final Takeaways</a:t>
             </a:r>
             <a:endParaRPr lang="en-US" dirty="0"/>
           </a:p>
@@ -7564,7 +7564,7 @@
                 </a:gradFill>
                 <a:latin typeface="+mj-lt"/>
               </a:rPr>
-              <a:t>Scrap the Nasdaq Index for Jan 2023 to March 2025, CVS file created.</a:t>
+              <a:t>Scrap the Nasdaq Index from Jan 2023 to March 2025, CSV file created.</a:t>
             </a:r>
           </a:p>
           <a:p>
@@ -7735,7 +7735,7 @@
                 </a:solidFill>
                 <a:latin typeface="+mj-lt"/>
               </a:rPr>
-              <a:t>Scrap the article news from ten sources </a:t>
+              <a:t>Scrap the article news from ten sources randomly selected </a:t>
             </a:r>
             <a:r>
               <a:rPr lang="en-US" altLang="en-US" sz="2000" dirty="0">
@@ -7768,7 +7768,7 @@
                 </a:gradFill>
                 <a:latin typeface="+mj-lt"/>
               </a:rPr>
-              <a:t>(max 33/day, max 12/source). For the same period of the financial data, a CVS file was created (</a:t>
+              <a:t>(max 33/day, max 12/source). For the same period of the financial data, a CSV file was created (</a:t>
             </a:r>
             <a:r>
               <a:rPr lang="en-US" altLang="en-US" sz="2000" b="1" i="1" dirty="0">
@@ -7890,7 +7890,7 @@
                 </a:gradFill>
                 <a:latin typeface="+mj-lt"/>
               </a:rPr>
-              <a:t>: Based on the news scrap, the content was fetched, and the sentiment per day was calculated (Friday, Saturday, and Sunday were considered one day). </a:t>
+              <a:t>: Based on the news scraped, the content was fetched, and the sentiment per day was calculated (Friday, Saturday, and Sunday were considered as one day - Friday). </a:t>
             </a:r>
           </a:p>
           <a:p>
@@ -7916,7 +7916,7 @@
                 </a:solidFill>
                 <a:latin typeface="+mj-lt"/>
               </a:rPr>
-              <a:t>     Sentiment added to the financial CVS:</a:t>
+              <a:t>Sentiment added to the financial data:</a:t>
             </a:r>
             <a:r>
               <a:rPr lang="en-US" altLang="en-US" sz="1600" dirty="0">
@@ -10289,7 +10289,7 @@
                 </a:gradFill>
                 <a:latin typeface="+mj-lt"/>
               </a:rPr>
-              <a:t>Module 1: Scraper. </a:t>
+              <a:t>Module 1: News Scraper. </a:t>
             </a:r>
           </a:p>
           <a:p>
@@ -10717,7 +10717,7 @@
                 </a:gradFill>
                 <a:latin typeface="+mj-lt"/>
               </a:rPr>
-              <a:t>: Focuses on extracting article content from URLs provided in a CVS file. It uses the newspaper library to download and parse articles and saves the extracted content to a CSV file.</a:t>
+              <a:t>: Focuses on extracting article content from URLs provided in a CSV file. It uses the newspaper library to download and parse articles and saves the extracted content to a CSV file.</a:t>
             </a:r>
           </a:p>
           <a:p>
@@ -11234,7 +11234,7 @@
                 </a:gradFill>
                 <a:latin typeface="+mj-lt"/>
               </a:rPr>
-              <a:t>Extracts financial data related to the NASDAQ stock market, includes functionality to fetch historical stock prices, calculate technical indicators, and save data into a CVS.</a:t>
+              <a:t>Extracts financial data related to the NASDAQ stock market, includes functionality to fetch historical stock prices, calculate technical indicators, and save data into a CSV.</a:t>
             </a:r>
           </a:p>
           <a:p>
@@ -12297,7 +12297,7 @@
                 </a:gradFill>
                 <a:latin typeface="+mj-lt"/>
               </a:rPr>
-              <a:t>. The free version had a limited spam of news or stock; after implementing them, we found it impossible to reach the complete data set. </a:t>
+              <a:t>. The free version had a limited span of news or stock; after implementing them, we found it impossible to reach the complete data set. </a:t>
             </a:r>
           </a:p>
           <a:p>
@@ -13920,15 +13920,6 @@
 </file>
 
 <file path=customXml/item1.xml><?xml version="1.0" encoding="utf-8"?>
-<?mso-contentType ?>
-<FormTemplates xmlns="http://schemas.microsoft.com/sharepoint/v3/contenttype/forms">
-  <Display>DocumentLibraryForm</Display>
-  <Edit>DocumentLibraryForm</Edit>
-  <New>DocumentLibraryForm</New>
-</FormTemplates>
-</file>
-
-<file path=customXml/item2.xml><?xml version="1.0" encoding="utf-8"?>
 <ct:contentTypeSchema xmlns:ct="http://schemas.microsoft.com/office/2006/metadata/contentType" xmlns:ma="http://schemas.microsoft.com/office/2006/metadata/properties/metaAttributes" ct:_="" ma:_="" ma:contentTypeName="Document" ma:contentTypeID="0x01010079F111ED35F8CC479449609E8A0923A6" ma:contentTypeVersion="25" ma:contentTypeDescription="Create a new document." ma:contentTypeScope="" ma:versionID="e02306daf00165b375dc6a58966960be">
   <xsd:schema xmlns:xsd="http://www.w3.org/2001/XMLSchema" xmlns:xs="http://www.w3.org/2001/XMLSchema" xmlns:p="http://schemas.microsoft.com/office/2006/metadata/properties" xmlns:ns1="http://schemas.microsoft.com/sharepoint/v3" xmlns:ns2="71af3243-3dd4-4a8d-8c0d-dd76da1f02a5" xmlns:ns3="16c05727-aa75-4e4a-9b5f-8a80a1165891" xmlns:ns4="230e9df3-be65-4c73-a93b-d1236ebd677e" targetNamespace="http://schemas.microsoft.com/office/2006/metadata/properties" ma:root="true" ma:fieldsID="df88fb76bf5f555224557953949c1ec9" ns1:_="" ns2:_="" ns3:_="" ns4:_="">
     <xsd:import namespace="http://schemas.microsoft.com/sharepoint/v3"/>
@@ -14222,6 +14213,15 @@
 </ct:contentTypeSchema>
 </file>
 
+<file path=customXml/item2.xml><?xml version="1.0" encoding="utf-8"?>
+<?mso-contentType ?>
+<FormTemplates xmlns="http://schemas.microsoft.com/sharepoint/v3/contenttype/forms">
+  <Display>DocumentLibraryForm</Display>
+  <Edit>DocumentLibraryForm</Edit>
+  <New>DocumentLibraryForm</New>
+</FormTemplates>
+</file>
+
 <file path=customXml/item3.xml><?xml version="1.0" encoding="utf-8"?>
 <p:properties xmlns:p="http://schemas.microsoft.com/office/2006/metadata/properties" xmlns:xsi="http://www.w3.org/2001/XMLSchema-instance" xmlns:pc="http://schemas.microsoft.com/office/infopath/2007/PartnerControls">
   <documentManagement>
@@ -14243,14 +14243,6 @@
 </file>
 
 <file path=customXml/itemProps1.xml><?xml version="1.0" encoding="utf-8"?>
-<ds:datastoreItem xmlns:ds="http://schemas.openxmlformats.org/officeDocument/2006/customXml" ds:itemID="{4F1F1912-3146-44AF-A389-9E8B77BB3688}">
-  <ds:schemaRefs>
-    <ds:schemaRef ds:uri="http://schemas.microsoft.com/sharepoint/v3/contenttype/forms"/>
-  </ds:schemaRefs>
-</ds:datastoreItem>
-</file>
-
-<file path=customXml/itemProps2.xml><?xml version="1.0" encoding="utf-8"?>
 <ds:datastoreItem xmlns:ds="http://schemas.openxmlformats.org/officeDocument/2006/customXml" ds:itemID="{176493A3-2B83-4E58-86AD-56A2F2A20F12}">
   <ds:schemaRefs>
     <ds:schemaRef ds:uri="http://schemas.microsoft.com/office/2006/metadata/contentType"/>
@@ -14271,6 +14263,14 @@
 </ds:datastoreItem>
 </file>
 
+<file path=customXml/itemProps2.xml><?xml version="1.0" encoding="utf-8"?>
+<ds:datastoreItem xmlns:ds="http://schemas.openxmlformats.org/officeDocument/2006/customXml" ds:itemID="{4F1F1912-3146-44AF-A389-9E8B77BB3688}">
+  <ds:schemaRefs>
+    <ds:schemaRef ds:uri="http://schemas.microsoft.com/sharepoint/v3/contenttype/forms"/>
+  </ds:schemaRefs>
+</ds:datastoreItem>
+</file>
+
 <file path=customXml/itemProps3.xml><?xml version="1.0" encoding="utf-8"?>
 <ds:datastoreItem xmlns:ds="http://schemas.openxmlformats.org/officeDocument/2006/customXml" ds:itemID="{F8B8ECF1-2A9D-464C-AFE8-2B3295D0BF97}">
   <ds:schemaRefs>

--- a/NASDAQ UP.pptx
+++ b/NASDAQ UP.pptx
@@ -7949,7 +7949,7 @@
                 </a:gradFill>
                 <a:latin typeface="+mj-lt"/>
               </a:rPr>
-              <a:t> as  t1, day before, t2 two days before and t3 and t123AVG, to test with    day lag provide better performance (for later feature importance)</a:t>
+              <a:t> As  t1, day before, t2 two days before and t3 and t123AVG, to test with    day lag provide better performance (for later feature importance)</a:t>
             </a:r>
           </a:p>
         </p:txBody>

--- a/NASDAQ UP.pptx
+++ b/NASDAQ UP.pptx
@@ -218,7 +218,7 @@
           <a:p>
             <a:fld id="{3F00BCFC-AFFD-334C-A183-6116BAFDF92B}" type="datetimeFigureOut">
               <a:rPr lang="en-US" smtClean="0"/>
-              <a:t>4/9/25</a:t>
+              <a:t>4/10/2025</a:t>
             </a:fld>
             <a:endParaRPr lang="en-US" dirty="0"/>
           </a:p>
@@ -376,7 +376,7 @@
           <a:p>
             <a:fld id="{23C058E0-0852-DB43-83D6-BD76659FF1D8}" type="slidenum">
               <a:rPr lang="en-US" smtClean="0"/>
-              <a:t>‹#›</a:t>
+              <a:t>‹Nº›</a:t>
             </a:fld>
             <a:endParaRPr lang="en-US" dirty="0"/>
           </a:p>
@@ -616,7 +616,7 @@
           <a:p>
             <a:fld id="{CF20CC98-8836-4FAD-81E7-1A0B5F4DAC31}" type="datetime1">
               <a:rPr lang="en-US" smtClean="0"/>
-              <a:t>4/9/25</a:t>
+              <a:t>4/10/2025</a:t>
             </a:fld>
             <a:endParaRPr lang="en-US" dirty="0"/>
           </a:p>
@@ -663,7 +663,7 @@
             <a:fld id="{6D22F896-40B5-4ADD-8801-0D06FADFA095}" type="slidenum">
               <a:rPr lang="en-US" smtClean="0"/>
               <a:pPr/>
-              <a:t>‹#›</a:t>
+              <a:t>‹Nº›</a:t>
             </a:fld>
             <a:endParaRPr lang="en-US" dirty="0"/>
           </a:p>
@@ -2071,7 +2071,7 @@
           <a:p>
             <a:fld id="{312F2965-A3D0-4C0D-862E-FEE35E9F30A6}" type="datetime1">
               <a:rPr lang="en-US" smtClean="0"/>
-              <a:t>4/9/25</a:t>
+              <a:t>4/10/2025</a:t>
             </a:fld>
             <a:endParaRPr lang="en-US" dirty="0"/>
           </a:p>
@@ -2118,7 +2118,7 @@
             <a:fld id="{294A09A9-5501-47C1-A89A-A340965A2BE2}" type="slidenum">
               <a:rPr lang="en-US" smtClean="0"/>
               <a:pPr/>
-              <a:t>‹#›</a:t>
+              <a:t>‹Nº›</a:t>
             </a:fld>
             <a:endParaRPr lang="en-US" dirty="0"/>
           </a:p>
@@ -2256,7 +2256,7 @@
           <a:p>
             <a:fld id="{F3738F4D-E11B-49D1-8DCF-B50CC83D823B}" type="datetime1">
               <a:rPr lang="en-US" smtClean="0"/>
-              <a:t>4/9/25</a:t>
+              <a:t>4/10/2025</a:t>
             </a:fld>
             <a:endParaRPr lang="en-US" dirty="0"/>
           </a:p>
@@ -2303,7 +2303,7 @@
             <a:fld id="{294A09A9-5501-47C1-A89A-A340965A2BE2}" type="slidenum">
               <a:rPr lang="en-US" smtClean="0"/>
               <a:pPr/>
-              <a:t>‹#›</a:t>
+              <a:t>‹Nº›</a:t>
             </a:fld>
             <a:endParaRPr lang="en-US" dirty="0"/>
           </a:p>
@@ -2431,7 +2431,7 @@
           <a:p>
             <a:fld id="{D8535A8E-EEC9-4C93-A35B-40CB980E8193}" type="datetime1">
               <a:rPr lang="en-US" smtClean="0"/>
-              <a:t>4/9/25</a:t>
+              <a:t>4/10/2025</a:t>
             </a:fld>
             <a:endParaRPr lang="en-US" dirty="0"/>
           </a:p>
@@ -2478,7 +2478,7 @@
             <a:fld id="{294A09A9-5501-47C1-A89A-A340965A2BE2}" type="slidenum">
               <a:rPr lang="en-US" smtClean="0"/>
               <a:pPr/>
-              <a:t>‹#›</a:t>
+              <a:t>‹Nº›</a:t>
             </a:fld>
             <a:endParaRPr lang="en-US" dirty="0"/>
           </a:p>
@@ -3136,7 +3136,7 @@
           <a:p>
             <a:fld id="{4D214C50-654E-4B16-87DD-B05CD6849C2A}" type="datetime1">
               <a:rPr lang="en-US" smtClean="0"/>
-              <a:t>4/9/25</a:t>
+              <a:t>4/10/2025</a:t>
             </a:fld>
             <a:endParaRPr lang="en-US" dirty="0"/>
           </a:p>
@@ -3182,7 +3182,7 @@
           <a:p>
             <a:fld id="{6D22F896-40B5-4ADD-8801-0D06FADFA095}" type="slidenum">
               <a:rPr lang="en-US" smtClean="0"/>
-              <a:t>‹#›</a:t>
+              <a:t>‹Nº›</a:t>
             </a:fld>
             <a:endParaRPr lang="en-US" dirty="0"/>
           </a:p>
@@ -4019,7 +4019,7 @@
           <a:p>
             <a:fld id="{66F04EAE-0798-4123-B1A8-AACF2A5790B8}" type="datetime1">
               <a:rPr lang="en-US" smtClean="0"/>
-              <a:t>4/9/25</a:t>
+              <a:t>4/10/2025</a:t>
             </a:fld>
             <a:endParaRPr lang="en-US" dirty="0"/>
           </a:p>
@@ -4065,7 +4065,7 @@
           <a:p>
             <a:fld id="{294A09A9-5501-47C1-A89A-A340965A2BE2}" type="slidenum">
               <a:rPr lang="en-US" smtClean="0"/>
-              <a:t>‹#›</a:t>
+              <a:t>‹Nº›</a:t>
             </a:fld>
             <a:endParaRPr lang="en-US" dirty="0"/>
           </a:p>
@@ -4390,7 +4390,7 @@
           <a:p>
             <a:fld id="{A9038C80-5257-4D8C-BA90-BCC5569125DA}" type="datetime1">
               <a:rPr lang="en-US" smtClean="0"/>
-              <a:t>4/9/25</a:t>
+              <a:t>4/10/2025</a:t>
             </a:fld>
             <a:endParaRPr lang="en-US" dirty="0"/>
           </a:p>
@@ -4436,7 +4436,7 @@
           <a:p>
             <a:fld id="{294A09A9-5501-47C1-A89A-A340965A2BE2}" type="slidenum">
               <a:rPr lang="en-US" smtClean="0"/>
-              <a:t>‹#›</a:t>
+              <a:t>‹Nº›</a:t>
             </a:fld>
             <a:endParaRPr lang="en-US" dirty="0"/>
           </a:p>
@@ -4962,7 +4962,7 @@
           <a:p>
             <a:fld id="{6DEC9824-5035-4626-B597-D6FE2E6E8DC4}" type="datetime1">
               <a:rPr lang="en-US" smtClean="0"/>
-              <a:t>4/9/25</a:t>
+              <a:t>4/10/2025</a:t>
             </a:fld>
             <a:endParaRPr lang="en-US" dirty="0"/>
           </a:p>
@@ -5008,7 +5008,7 @@
           <a:p>
             <a:fld id="{294A09A9-5501-47C1-A89A-A340965A2BE2}" type="slidenum">
               <a:rPr lang="en-US" smtClean="0"/>
-              <a:t>‹#›</a:t>
+              <a:t>‹Nº›</a:t>
             </a:fld>
             <a:endParaRPr lang="en-US" dirty="0"/>
           </a:p>
@@ -5061,7 +5061,7 @@
           <a:p>
             <a:fld id="{97F8BC1D-B8D2-4FC3-863F-9BD58B01EE8A}" type="datetime1">
               <a:rPr lang="en-US" smtClean="0"/>
-              <a:t>4/9/25</a:t>
+              <a:t>4/10/2025</a:t>
             </a:fld>
             <a:endParaRPr lang="en-US" dirty="0"/>
           </a:p>
@@ -5107,7 +5107,7 @@
           <a:p>
             <a:fld id="{294A09A9-5501-47C1-A89A-A340965A2BE2}" type="slidenum">
               <a:rPr lang="en-US" smtClean="0"/>
-              <a:t>‹#›</a:t>
+              <a:t>‹Nº›</a:t>
             </a:fld>
             <a:endParaRPr lang="en-US" dirty="0"/>
           </a:p>
@@ -5342,7 +5342,7 @@
           <a:p>
             <a:fld id="{85C5A77F-1250-4BC7-8892-D591F24AA892}" type="datetime1">
               <a:rPr lang="en-US" smtClean="0"/>
-              <a:t>4/9/25</a:t>
+              <a:t>4/10/2025</a:t>
             </a:fld>
             <a:endParaRPr lang="en-US" dirty="0"/>
           </a:p>
@@ -5388,7 +5388,7 @@
           <a:p>
             <a:fld id="{294A09A9-5501-47C1-A89A-A340965A2BE2}" type="slidenum">
               <a:rPr lang="en-US" smtClean="0"/>
-              <a:t>‹#›</a:t>
+              <a:t>‹Nº›</a:t>
             </a:fld>
             <a:endParaRPr lang="en-US" dirty="0"/>
           </a:p>
@@ -5603,7 +5603,7 @@
           <a:p>
             <a:fld id="{312EB0B7-4CE6-4AF8-BDCC-229C623A5382}" type="datetime1">
               <a:rPr lang="en-US" smtClean="0"/>
-              <a:t>4/9/25</a:t>
+              <a:t>4/10/2025</a:t>
             </a:fld>
             <a:endParaRPr lang="en-US" dirty="0"/>
           </a:p>
@@ -5649,7 +5649,7 @@
           <a:p>
             <a:fld id="{294A09A9-5501-47C1-A89A-A340965A2BE2}" type="slidenum">
               <a:rPr lang="en-US" smtClean="0"/>
-              <a:t>‹#›</a:t>
+              <a:t>‹Nº›</a:t>
             </a:fld>
             <a:endParaRPr lang="en-US" dirty="0"/>
           </a:p>
@@ -5820,7 +5820,7 @@
           <a:p>
             <a:fld id="{67723127-5C94-4BD3-B6A5-1832BEE09244}" type="datetime1">
               <a:rPr lang="en-US" smtClean="0"/>
-              <a:t>4/9/25</a:t>
+              <a:t>4/10/2025</a:t>
             </a:fld>
             <a:endParaRPr lang="en-US" dirty="0"/>
           </a:p>
@@ -5903,7 +5903,7 @@
             <a:fld id="{294A09A9-5501-47C1-A89A-A340965A2BE2}" type="slidenum">
               <a:rPr lang="en-US" smtClean="0"/>
               <a:pPr/>
-              <a:t>‹#›</a:t>
+              <a:t>‹Nº›</a:t>
             </a:fld>
             <a:endParaRPr lang="en-US" dirty="0"/>
           </a:p>
@@ -7456,13 +7456,13 @@
         </p:nvSpPr>
         <p:spPr>
           <a:xfrm>
-            <a:off x="650875" y="1038225"/>
-            <a:ext cx="10515600" cy="4328319"/>
+            <a:off x="650875" y="1264840"/>
+            <a:ext cx="10515600" cy="4898568"/>
           </a:xfrm>
         </p:spPr>
         <p:txBody>
           <a:bodyPr>
-            <a:normAutofit/>
+            <a:normAutofit lnSpcReduction="10000"/>
           </a:bodyPr>
           <a:lstStyle/>
           <a:p>
@@ -7483,7 +7483,7 @@
               <a:tabLst/>
             </a:pPr>
             <a:r>
-              <a:rPr lang="en-US" altLang="en-US" sz="1800" b="1" dirty="0">
+              <a:rPr lang="en-US" altLang="en-US" sz="2000" b="1" dirty="0">
                 <a:gradFill flip="none" rotWithShape="1">
                   <a:gsLst>
                     <a:gs pos="15000">
@@ -7534,7 +7534,7 @@
               <a:tabLst/>
             </a:pPr>
             <a:r>
-              <a:rPr lang="en-US" altLang="en-US" sz="1800" dirty="0">
+              <a:rPr lang="en-US" altLang="en-US" sz="2000" dirty="0">
                 <a:gradFill flip="none" rotWithShape="1">
                   <a:gsLst>
                     <a:gs pos="15000">
@@ -7585,7 +7585,7 @@
               <a:tabLst/>
             </a:pPr>
             <a:r>
-              <a:rPr lang="en-US" altLang="en-US" sz="1800" dirty="0">
+              <a:rPr lang="en-US" altLang="en-US" sz="2000" dirty="0">
                 <a:gradFill flip="none" rotWithShape="1">
                   <a:gsLst>
                     <a:gs pos="15000">
@@ -7615,7 +7615,7 @@
                 </a:gradFill>
                 <a:latin typeface="+mj-lt"/>
               </a:rPr>
-              <a:t>Add the Technical Indicators. In this stage, we added as many as possible, avoiding duplications (for later feature importance). </a:t>
+              <a:t>Add the Technical Indicators. add for further use, avoiding duplications (for later feature importance). </a:t>
             </a:r>
           </a:p>
           <a:p>
@@ -7635,7 +7635,7 @@
               <a:buNone/>
               <a:tabLst/>
             </a:pPr>
-            <a:endParaRPr lang="en-US" altLang="en-US" sz="1800" dirty="0">
+            <a:endParaRPr lang="en-US" altLang="en-US" sz="2000" dirty="0">
               <a:gradFill flip="none" rotWithShape="1">
                 <a:gsLst>
                   <a:gs pos="15000">
@@ -7676,7 +7676,7 @@
               </a:spcAft>
             </a:pPr>
             <a:r>
-              <a:rPr lang="en-US" altLang="en-US" sz="2000" b="1" dirty="0">
+              <a:rPr lang="en-US" altLang="en-US" b="1" dirty="0">
                 <a:gradFill flip="none" rotWithShape="1">
                   <a:gsLst>
                     <a:gs pos="15000">
@@ -7726,8 +7726,34 @@
               <a:buChar char="•"/>
               <a:tabLst/>
             </a:pPr>
-            <a:r>
-              <a:rPr lang="en-US" altLang="en-US" sz="2000" dirty="0">
+            <a:endParaRPr lang="en-US" altLang="en-US" dirty="0">
+              <a:solidFill>
+                <a:schemeClr val="accent6">
+                  <a:lumMod val="75000"/>
+                </a:schemeClr>
+              </a:solidFill>
+              <a:latin typeface="+mj-lt"/>
+            </a:endParaRPr>
+          </a:p>
+          <a:p>
+            <a:pPr marL="285750" marR="0" lvl="0" indent="-285750" defTabSz="914400" rtl="0" eaLnBrk="0" fontAlgn="base" latinLnBrk="0" hangingPunct="0">
+              <a:lnSpc>
+                <a:spcPct val="100000"/>
+              </a:lnSpc>
+              <a:spcBef>
+                <a:spcPct val="0"/>
+              </a:spcBef>
+              <a:spcAft>
+                <a:spcPct val="0"/>
+              </a:spcAft>
+              <a:buClrTx/>
+              <a:buSzTx/>
+              <a:buFont typeface="Arial" panose="020B0604020202020204" pitchFamily="34" charset="0"/>
+              <a:buChar char="•"/>
+              <a:tabLst/>
+            </a:pPr>
+            <a:r>
+              <a:rPr lang="en-US" altLang="en-US" dirty="0">
                 <a:solidFill>
                   <a:schemeClr val="accent6">
                     <a:lumMod val="75000"/>
@@ -7738,7 +7764,7 @@
               <a:t>Scrap the article news from ten sources randomly selected </a:t>
             </a:r>
             <a:r>
-              <a:rPr lang="en-US" altLang="en-US" sz="2000" dirty="0">
+              <a:rPr lang="en-US" altLang="en-US" dirty="0">
                 <a:gradFill flip="none" rotWithShape="1">
                   <a:gsLst>
                     <a:gs pos="15000">
@@ -7768,10 +7794,10 @@
                 </a:gradFill>
                 <a:latin typeface="+mj-lt"/>
               </a:rPr>
-              <a:t>(max 33/day, max 12/source). For the same period of the financial data, a CSV file was created (</a:t>
-            </a:r>
-            <a:r>
-              <a:rPr lang="en-US" altLang="en-US" sz="2000" b="1" i="1" dirty="0">
+              <a:t>(</a:t>
+            </a:r>
+            <a:r>
+              <a:rPr lang="en-US" altLang="en-US" sz="2200" dirty="0">
                 <a:gradFill flip="none" rotWithShape="1">
                   <a:gsLst>
                     <a:gs pos="15000">
@@ -7801,10 +7827,10 @@
                 </a:gradFill>
                 <a:latin typeface="+mj-lt"/>
               </a:rPr>
-              <a:t>date, source, link</a:t>
-            </a:r>
-            <a:r>
-              <a:rPr lang="en-US" altLang="en-US" sz="2000" dirty="0">
+              <a:t>max 33/day, max 12/source). For the same period of the financial data, a CSV file was created (</a:t>
+            </a:r>
+            <a:r>
+              <a:rPr lang="en-US" altLang="en-US" sz="2200" b="1" i="1" dirty="0">
                 <a:gradFill flip="none" rotWithShape="1">
                   <a:gsLst>
                     <a:gs pos="15000">
@@ -7834,11 +7860,176 @@
                 </a:gradFill>
                 <a:latin typeface="+mj-lt"/>
               </a:rPr>
-              <a:t>).    The quantities were defined based on the resource capabilities at the minimum that provide a valid sentiment average, and the sources were randomized and weighted according to political bias. </a:t>
-            </a:r>
+              <a:t>date, title, source, link</a:t>
+            </a:r>
+            <a:r>
+              <a:rPr lang="en-US" altLang="en-US" sz="2200" dirty="0">
+                <a:gradFill flip="none" rotWithShape="1">
+                  <a:gsLst>
+                    <a:gs pos="15000">
+                      <a:schemeClr val="tx2"/>
+                    </a:gs>
+                    <a:gs pos="73000">
+                      <a:schemeClr val="tx2">
+                        <a:lumMod val="60000"/>
+                        <a:lumOff val="40000"/>
+                      </a:schemeClr>
+                    </a:gs>
+                    <a:gs pos="0">
+                      <a:schemeClr val="tx2">
+                        <a:lumMod val="90000"/>
+                        <a:lumOff val="10000"/>
+                      </a:schemeClr>
+                    </a:gs>
+                    <a:gs pos="100000">
+                      <a:schemeClr val="tx2">
+                        <a:lumMod val="0"/>
+                        <a:lumOff val="100000"/>
+                      </a:schemeClr>
+                    </a:gs>
+                  </a:gsLst>
+                  <a:lin ang="16200000" scaled="1"/>
+                  <a:tileRect/>
+                </a:gradFill>
+                <a:latin typeface="+mj-lt"/>
+              </a:rPr>
+              <a:t>). The sources were randomized and weighted to avoid political bias. </a:t>
+            </a:r>
+            <a:endParaRPr lang="en-US" altLang="en-US" dirty="0">
+              <a:gradFill flip="none" rotWithShape="1">
+                <a:gsLst>
+                  <a:gs pos="15000">
+                    <a:schemeClr val="tx2"/>
+                  </a:gs>
+                  <a:gs pos="73000">
+                    <a:schemeClr val="tx2">
+                      <a:lumMod val="60000"/>
+                      <a:lumOff val="40000"/>
+                    </a:schemeClr>
+                  </a:gs>
+                  <a:gs pos="0">
+                    <a:schemeClr val="tx2">
+                      <a:lumMod val="90000"/>
+                      <a:lumOff val="10000"/>
+                    </a:schemeClr>
+                  </a:gs>
+                  <a:gs pos="100000">
+                    <a:schemeClr val="tx2">
+                      <a:lumMod val="0"/>
+                      <a:lumOff val="100000"/>
+                    </a:schemeClr>
+                  </a:gs>
+                </a:gsLst>
+                <a:lin ang="16200000" scaled="1"/>
+                <a:tileRect/>
+              </a:gradFill>
+              <a:latin typeface="+mj-lt"/>
+            </a:endParaRPr>
           </a:p>
           <a:p>
             <a:pPr marL="285750" lvl="1" indent="-285750" defTabSz="914400" eaLnBrk="0" fontAlgn="base" hangingPunct="0">
+              <a:spcBef>
+                <a:spcPct val="0"/>
+              </a:spcBef>
+              <a:spcAft>
+                <a:spcPct val="0"/>
+              </a:spcAft>
+              <a:buFont typeface="Arial" panose="020B0604020202020204" pitchFamily="34" charset="0"/>
+              <a:buChar char="•"/>
+            </a:pPr>
+            <a:endParaRPr lang="en-US" altLang="en-US" sz="2400" dirty="0">
+              <a:solidFill>
+                <a:schemeClr val="accent6">
+                  <a:lumMod val="75000"/>
+                </a:schemeClr>
+              </a:solidFill>
+              <a:latin typeface="+mj-lt"/>
+            </a:endParaRPr>
+          </a:p>
+          <a:p>
+            <a:pPr marL="285750" lvl="1" indent="-285750" defTabSz="914400" eaLnBrk="0" fontAlgn="base" hangingPunct="0">
+              <a:spcBef>
+                <a:spcPct val="0"/>
+              </a:spcBef>
+              <a:spcAft>
+                <a:spcPct val="0"/>
+              </a:spcAft>
+              <a:buFont typeface="Arial" panose="020B0604020202020204" pitchFamily="34" charset="0"/>
+              <a:buChar char="•"/>
+            </a:pPr>
+            <a:r>
+              <a:rPr lang="en-US" altLang="en-US" sz="2400" dirty="0">
+                <a:solidFill>
+                  <a:schemeClr val="accent6">
+                    <a:lumMod val="75000"/>
+                  </a:schemeClr>
+                </a:solidFill>
+                <a:latin typeface="+mj-lt"/>
+              </a:rPr>
+              <a:t>Fetch content</a:t>
+            </a:r>
+            <a:r>
+              <a:rPr lang="en-US" altLang="en-US" sz="1800" dirty="0">
+                <a:gradFill flip="none" rotWithShape="1">
+                  <a:gsLst>
+                    <a:gs pos="15000">
+                      <a:schemeClr val="tx2"/>
+                    </a:gs>
+                    <a:gs pos="73000">
+                      <a:schemeClr val="tx2">
+                        <a:lumMod val="60000"/>
+                        <a:lumOff val="40000"/>
+                      </a:schemeClr>
+                    </a:gs>
+                    <a:gs pos="0">
+                      <a:schemeClr val="tx2">
+                        <a:lumMod val="90000"/>
+                        <a:lumOff val="10000"/>
+                      </a:schemeClr>
+                    </a:gs>
+                    <a:gs pos="100000">
+                      <a:schemeClr val="tx2">
+                        <a:lumMod val="0"/>
+                        <a:lumOff val="100000"/>
+                      </a:schemeClr>
+                    </a:gs>
+                  </a:gsLst>
+                  <a:lin ang="16200000" scaled="1"/>
+                  <a:tileRect/>
+                </a:gradFill>
+                <a:latin typeface="+mj-lt"/>
+              </a:rPr>
+              <a:t>: Based on the news scraped, the content was fetched, and the sentiment per day was calculated (Friday, Saturday, and Sunday were considered as one day - Friday). </a:t>
+            </a:r>
+          </a:p>
+          <a:p>
+            <a:pPr marL="285750" indent="-285750" eaLnBrk="0" fontAlgn="base" hangingPunct="0">
+              <a:lnSpc>
+                <a:spcPct val="100000"/>
+              </a:lnSpc>
+              <a:spcBef>
+                <a:spcPct val="0"/>
+              </a:spcBef>
+              <a:spcAft>
+                <a:spcPct val="0"/>
+              </a:spcAft>
+              <a:buFont typeface="Arial" panose="020B0604020202020204" pitchFamily="34" charset="0"/>
+              <a:buChar char="•"/>
+            </a:pPr>
+            <a:endParaRPr lang="en-US" altLang="en-US" dirty="0">
+              <a:solidFill>
+                <a:schemeClr val="accent6">
+                  <a:lumMod val="75000"/>
+                </a:schemeClr>
+              </a:solidFill>
+              <a:latin typeface="+mj-lt"/>
+            </a:endParaRPr>
+          </a:p>
+          <a:p>
+            <a:pPr marL="285750" indent="-285750" eaLnBrk="0" fontAlgn="base" hangingPunct="0">
+              <a:lnSpc>
+                <a:spcPct val="100000"/>
+              </a:lnSpc>
               <a:spcBef>
                 <a:spcPct val="0"/>
               </a:spcBef>
@@ -7857,69 +8048,10 @@
                 </a:solidFill>
                 <a:latin typeface="+mj-lt"/>
               </a:rPr>
-              <a:t>Fetch content</a:t>
-            </a:r>
-            <a:r>
-              <a:rPr lang="en-US" altLang="en-US" sz="1600" dirty="0">
-                <a:gradFill flip="none" rotWithShape="1">
-                  <a:gsLst>
-                    <a:gs pos="15000">
-                      <a:schemeClr val="tx2"/>
-                    </a:gs>
-                    <a:gs pos="73000">
-                      <a:schemeClr val="tx2">
-                        <a:lumMod val="60000"/>
-                        <a:lumOff val="40000"/>
-                      </a:schemeClr>
-                    </a:gs>
-                    <a:gs pos="0">
-                      <a:schemeClr val="tx2">
-                        <a:lumMod val="90000"/>
-                        <a:lumOff val="10000"/>
-                      </a:schemeClr>
-                    </a:gs>
-                    <a:gs pos="100000">
-                      <a:schemeClr val="tx2">
-                        <a:lumMod val="0"/>
-                        <a:lumOff val="100000"/>
-                      </a:schemeClr>
-                    </a:gs>
-                  </a:gsLst>
-                  <a:lin ang="16200000" scaled="1"/>
-                  <a:tileRect/>
-                </a:gradFill>
-                <a:latin typeface="+mj-lt"/>
-              </a:rPr>
-              <a:t>: Based on the news scraped, the content was fetched, and the sentiment per day was calculated (Friday, Saturday, and Sunday were considered as one day - Friday). </a:t>
-            </a:r>
-          </a:p>
-          <a:p>
-            <a:pPr marL="285750" indent="-285750" eaLnBrk="0" fontAlgn="base" hangingPunct="0">
-              <a:lnSpc>
-                <a:spcPct val="100000"/>
-              </a:lnSpc>
-              <a:spcBef>
-                <a:spcPct val="0"/>
-              </a:spcBef>
-              <a:spcAft>
-                <a:spcPct val="0"/>
-              </a:spcAft>
-              <a:buFont typeface="Arial" panose="020B0604020202020204" pitchFamily="34" charset="0"/>
-              <a:buChar char="•"/>
-            </a:pPr>
-            <a:r>
-              <a:rPr lang="en-US" altLang="en-US" sz="2000" dirty="0">
-                <a:solidFill>
-                  <a:schemeClr val="accent6">
-                    <a:lumMod val="75000"/>
-                  </a:schemeClr>
-                </a:solidFill>
-                <a:latin typeface="+mj-lt"/>
-              </a:rPr>
               <a:t>Sentiment added to the financial data:</a:t>
             </a:r>
             <a:r>
-              <a:rPr lang="en-US" altLang="en-US" sz="1600" dirty="0">
+              <a:rPr lang="en-US" altLang="en-US" sz="1800" dirty="0">
                 <a:gradFill flip="none" rotWithShape="1">
                   <a:gsLst>
                     <a:gs pos="15000">
@@ -14214,15 +14346,6 @@
 </file>
 
 <file path=customXml/item2.xml><?xml version="1.0" encoding="utf-8"?>
-<?mso-contentType ?>
-<FormTemplates xmlns="http://schemas.microsoft.com/sharepoint/v3/contenttype/forms">
-  <Display>DocumentLibraryForm</Display>
-  <Edit>DocumentLibraryForm</Edit>
-  <New>DocumentLibraryForm</New>
-</FormTemplates>
-</file>
-
-<file path=customXml/item3.xml><?xml version="1.0" encoding="utf-8"?>
 <p:properties xmlns:p="http://schemas.microsoft.com/office/2006/metadata/properties" xmlns:xsi="http://www.w3.org/2001/XMLSchema-instance" xmlns:pc="http://schemas.microsoft.com/office/infopath/2007/PartnerControls">
   <documentManagement>
     <_ip_UnifiedCompliancePolicyUIAction xmlns="http://schemas.microsoft.com/sharepoint/v3" xsi:nil="true"/>
@@ -14240,6 +14363,15 @@
     <MediaServiceKeyPoints xmlns="71af3243-3dd4-4a8d-8c0d-dd76da1f02a5" xsi:nil="true"/>
   </documentManagement>
 </p:properties>
+</file>
+
+<file path=customXml/item3.xml><?xml version="1.0" encoding="utf-8"?>
+<?mso-contentType ?>
+<FormTemplates xmlns="http://schemas.microsoft.com/sharepoint/v3/contenttype/forms">
+  <Display>DocumentLibraryForm</Display>
+  <Edit>DocumentLibraryForm</Edit>
+  <New>DocumentLibraryForm</New>
+</FormTemplates>
 </file>
 
 <file path=customXml/itemProps1.xml><?xml version="1.0" encoding="utf-8"?>
@@ -14264,14 +14396,6 @@
 </file>
 
 <file path=customXml/itemProps2.xml><?xml version="1.0" encoding="utf-8"?>
-<ds:datastoreItem xmlns:ds="http://schemas.openxmlformats.org/officeDocument/2006/customXml" ds:itemID="{4F1F1912-3146-44AF-A389-9E8B77BB3688}">
-  <ds:schemaRefs>
-    <ds:schemaRef ds:uri="http://schemas.microsoft.com/sharepoint/v3/contenttype/forms"/>
-  </ds:schemaRefs>
-</ds:datastoreItem>
-</file>
-
-<file path=customXml/itemProps3.xml><?xml version="1.0" encoding="utf-8"?>
 <ds:datastoreItem xmlns:ds="http://schemas.openxmlformats.org/officeDocument/2006/customXml" ds:itemID="{F8B8ECF1-2A9D-464C-AFE8-2B3295D0BF97}">
   <ds:schemaRefs>
     <ds:schemaRef ds:uri="http://schemas.microsoft.com/office/2006/metadata/properties"/>
@@ -14283,6 +14407,14 @@
 </ds:datastoreItem>
 </file>
 
+<file path=customXml/itemProps3.xml><?xml version="1.0" encoding="utf-8"?>
+<ds:datastoreItem xmlns:ds="http://schemas.openxmlformats.org/officeDocument/2006/customXml" ds:itemID="{4F1F1912-3146-44AF-A389-9E8B77BB3688}">
+  <ds:schemaRefs>
+    <ds:schemaRef ds:uri="http://schemas.microsoft.com/sharepoint/v3/contenttype/forms"/>
+  </ds:schemaRefs>
+</ds:datastoreItem>
+</file>
+
 <file path=docMetadata/LabelInfo.xml><?xml version="1.0" encoding="utf-8"?>
 <clbl:labelList xmlns:clbl="http://schemas.microsoft.com/office/2020/mipLabelMetadata"/>
 </file>